--- a/work_diary.pptx
+++ b/work_diary.pptx
@@ -5,7 +5,7 @@
     <p:sldMasterId id="2147483648" r:id="rId1"/>
   </p:sldMasterIdLst>
   <p:notesMasterIdLst>
-    <p:notesMasterId r:id="rId86"/>
+    <p:notesMasterId r:id="rId87"/>
   </p:notesMasterIdLst>
   <p:sldIdLst>
     <p:sldId id="256" r:id="rId2"/>
@@ -92,6 +92,7 @@
     <p:sldId id="337" r:id="rId83"/>
     <p:sldId id="338" r:id="rId84"/>
     <p:sldId id="339" r:id="rId85"/>
+    <p:sldId id="340" r:id="rId86"/>
   </p:sldIdLst>
   <p:sldSz cx="12192000" cy="6858000"/>
   <p:notesSz cx="6858000" cy="9144000"/>
@@ -279,6 +280,7 @@
             <p14:sldId id="337"/>
             <p14:sldId id="338"/>
             <p14:sldId id="339"/>
+            <p14:sldId id="340"/>
           </p14:sldIdLst>
         </p14:section>
       </p14:sectionLst>
@@ -309,7 +311,7 @@
   <pc:docChgLst>
     <pc:chgData name="urh trinko" userId="3b62f928bb6fe22b" providerId="LiveId" clId="{196519FD-3C64-4461-AC3D-BB99B1B5B961}"/>
     <pc:docChg chg="undo custSel addSld delSld modSld addSection delSection modSection">
-      <pc:chgData name="urh trinko" userId="3b62f928bb6fe22b" providerId="LiveId" clId="{196519FD-3C64-4461-AC3D-BB99B1B5B961}" dt="2023-08-21T13:51:17.275" v="39684" actId="20577"/>
+      <pc:chgData name="urh trinko" userId="3b62f928bb6fe22b" providerId="LiveId" clId="{196519FD-3C64-4461-AC3D-BB99B1B5B961}" dt="2023-08-22T13:39:41.579" v="40132" actId="20577"/>
       <pc:docMkLst>
         <pc:docMk/>
       </pc:docMkLst>
@@ -3008,8 +3010,8 @@
           </ac:picMkLst>
         </pc:picChg>
       </pc:sldChg>
-      <pc:sldChg chg="modSp new mod">
-        <pc:chgData name="urh trinko" userId="3b62f928bb6fe22b" providerId="LiveId" clId="{196519FD-3C64-4461-AC3D-BB99B1B5B961}" dt="2023-08-21T13:51:17.275" v="39684" actId="20577"/>
+      <pc:sldChg chg="addSp delSp modSp new mod">
+        <pc:chgData name="urh trinko" userId="3b62f928bb6fe22b" providerId="LiveId" clId="{196519FD-3C64-4461-AC3D-BB99B1B5B961}" dt="2023-08-22T13:34:50.968" v="39687" actId="21"/>
         <pc:sldMkLst>
           <pc:docMk/>
           <pc:sldMk cId="3009800333" sldId="339"/>
@@ -3028,6 +3030,37 @@
             <pc:docMk/>
             <pc:sldMk cId="3009800333" sldId="339"/>
             <ac:spMk id="3" creationId="{8AA48759-1729-29FD-E058-2C1817FADEBE}"/>
+          </ac:spMkLst>
+        </pc:spChg>
+        <pc:picChg chg="add del mod">
+          <ac:chgData name="urh trinko" userId="3b62f928bb6fe22b" providerId="LiveId" clId="{196519FD-3C64-4461-AC3D-BB99B1B5B961}" dt="2023-08-22T13:34:50.968" v="39687" actId="21"/>
+          <ac:picMkLst>
+            <pc:docMk/>
+            <pc:sldMk cId="3009800333" sldId="339"/>
+            <ac:picMk id="4" creationId="{92252485-7126-AC72-C076-6B2AD88A839C}"/>
+          </ac:picMkLst>
+        </pc:picChg>
+      </pc:sldChg>
+      <pc:sldChg chg="modSp new mod">
+        <pc:chgData name="urh trinko" userId="3b62f928bb6fe22b" providerId="LiveId" clId="{196519FD-3C64-4461-AC3D-BB99B1B5B961}" dt="2023-08-22T13:39:41.579" v="40132" actId="20577"/>
+        <pc:sldMkLst>
+          <pc:docMk/>
+          <pc:sldMk cId="2824974586" sldId="340"/>
+        </pc:sldMkLst>
+        <pc:spChg chg="mod">
+          <ac:chgData name="urh trinko" userId="3b62f928bb6fe22b" providerId="LiveId" clId="{196519FD-3C64-4461-AC3D-BB99B1B5B961}" dt="2023-08-22T13:36:21.307" v="39697" actId="20577"/>
+          <ac:spMkLst>
+            <pc:docMk/>
+            <pc:sldMk cId="2824974586" sldId="340"/>
+            <ac:spMk id="2" creationId="{01E6C2DA-DBB2-332A-B3D3-766B03C50A87}"/>
+          </ac:spMkLst>
+        </pc:spChg>
+        <pc:spChg chg="mod">
+          <ac:chgData name="urh trinko" userId="3b62f928bb6fe22b" providerId="LiveId" clId="{196519FD-3C64-4461-AC3D-BB99B1B5B961}" dt="2023-08-22T13:39:41.579" v="40132" actId="20577"/>
+          <ac:spMkLst>
+            <pc:docMk/>
+            <pc:sldMk cId="2824974586" sldId="340"/>
+            <ac:spMk id="3" creationId="{266D49A9-F072-FCE6-93C8-B25125F0E9D8}"/>
           </ac:spMkLst>
         </pc:spChg>
       </pc:sldChg>
@@ -3181,7 +3214,7 @@
           <a:p>
             <a:fld id="{44B1B52E-8404-4332-9630-5FBA18E64E09}" type="datetimeFigureOut">
               <a:rPr lang="sl-SI" smtClean="0"/>
-              <a:t>21. 08. 2023</a:t>
+              <a:t>22. 08. 2023</a:t>
             </a:fld>
             <a:endParaRPr lang="sl-SI"/>
           </a:p>
@@ -3679,7 +3712,7 @@
           <a:p>
             <a:fld id="{4C35B1A2-9590-42BA-8C8F-FDB479B04EEB}" type="datetimeFigureOut">
               <a:rPr lang="sl-SI" smtClean="0"/>
-              <a:t>21. 08. 2023</a:t>
+              <a:t>22. 08. 2023</a:t>
             </a:fld>
             <a:endParaRPr lang="sl-SI"/>
           </a:p>
@@ -3877,7 +3910,7 @@
           <a:p>
             <a:fld id="{4C35B1A2-9590-42BA-8C8F-FDB479B04EEB}" type="datetimeFigureOut">
               <a:rPr lang="sl-SI" smtClean="0"/>
-              <a:t>21. 08. 2023</a:t>
+              <a:t>22. 08. 2023</a:t>
             </a:fld>
             <a:endParaRPr lang="sl-SI"/>
           </a:p>
@@ -4085,7 +4118,7 @@
           <a:p>
             <a:fld id="{4C35B1A2-9590-42BA-8C8F-FDB479B04EEB}" type="datetimeFigureOut">
               <a:rPr lang="sl-SI" smtClean="0"/>
-              <a:t>21. 08. 2023</a:t>
+              <a:t>22. 08. 2023</a:t>
             </a:fld>
             <a:endParaRPr lang="sl-SI"/>
           </a:p>
@@ -4283,7 +4316,7 @@
           <a:p>
             <a:fld id="{4C35B1A2-9590-42BA-8C8F-FDB479B04EEB}" type="datetimeFigureOut">
               <a:rPr lang="sl-SI" smtClean="0"/>
-              <a:t>21. 08. 2023</a:t>
+              <a:t>22. 08. 2023</a:t>
             </a:fld>
             <a:endParaRPr lang="sl-SI"/>
           </a:p>
@@ -4558,7 +4591,7 @@
           <a:p>
             <a:fld id="{4C35B1A2-9590-42BA-8C8F-FDB479B04EEB}" type="datetimeFigureOut">
               <a:rPr lang="sl-SI" smtClean="0"/>
-              <a:t>21. 08. 2023</a:t>
+              <a:t>22. 08. 2023</a:t>
             </a:fld>
             <a:endParaRPr lang="sl-SI"/>
           </a:p>
@@ -4823,7 +4856,7 @@
           <a:p>
             <a:fld id="{4C35B1A2-9590-42BA-8C8F-FDB479B04EEB}" type="datetimeFigureOut">
               <a:rPr lang="sl-SI" smtClean="0"/>
-              <a:t>21. 08. 2023</a:t>
+              <a:t>22. 08. 2023</a:t>
             </a:fld>
             <a:endParaRPr lang="sl-SI"/>
           </a:p>
@@ -5235,7 +5268,7 @@
           <a:p>
             <a:fld id="{4C35B1A2-9590-42BA-8C8F-FDB479B04EEB}" type="datetimeFigureOut">
               <a:rPr lang="sl-SI" smtClean="0"/>
-              <a:t>21. 08. 2023</a:t>
+              <a:t>22. 08. 2023</a:t>
             </a:fld>
             <a:endParaRPr lang="sl-SI"/>
           </a:p>
@@ -5376,7 +5409,7 @@
           <a:p>
             <a:fld id="{4C35B1A2-9590-42BA-8C8F-FDB479B04EEB}" type="datetimeFigureOut">
               <a:rPr lang="sl-SI" smtClean="0"/>
-              <a:t>21. 08. 2023</a:t>
+              <a:t>22. 08. 2023</a:t>
             </a:fld>
             <a:endParaRPr lang="sl-SI"/>
           </a:p>
@@ -5489,7 +5522,7 @@
           <a:p>
             <a:fld id="{4C35B1A2-9590-42BA-8C8F-FDB479B04EEB}" type="datetimeFigureOut">
               <a:rPr lang="sl-SI" smtClean="0"/>
-              <a:t>21. 08. 2023</a:t>
+              <a:t>22. 08. 2023</a:t>
             </a:fld>
             <a:endParaRPr lang="sl-SI"/>
           </a:p>
@@ -5800,7 +5833,7 @@
           <a:p>
             <a:fld id="{4C35B1A2-9590-42BA-8C8F-FDB479B04EEB}" type="datetimeFigureOut">
               <a:rPr lang="sl-SI" smtClean="0"/>
-              <a:t>21. 08. 2023</a:t>
+              <a:t>22. 08. 2023</a:t>
             </a:fld>
             <a:endParaRPr lang="sl-SI"/>
           </a:p>
@@ -6088,7 +6121,7 @@
           <a:p>
             <a:fld id="{4C35B1A2-9590-42BA-8C8F-FDB479B04EEB}" type="datetimeFigureOut">
               <a:rPr lang="sl-SI" smtClean="0"/>
-              <a:t>21. 08. 2023</a:t>
+              <a:t>22. 08. 2023</a:t>
             </a:fld>
             <a:endParaRPr lang="sl-SI"/>
           </a:p>
@@ -6329,7 +6362,7 @@
           <a:p>
             <a:fld id="{4C35B1A2-9590-42BA-8C8F-FDB479B04EEB}" type="datetimeFigureOut">
               <a:rPr lang="sl-SI" smtClean="0"/>
-              <a:t>21. 08. 2023</a:t>
+              <a:t>22. 08. 2023</a:t>
             </a:fld>
             <a:endParaRPr lang="sl-SI"/>
           </a:p>
@@ -18846,6 +18879,141 @@
     <p:extLst>
       <p:ext uri="{BB962C8B-B14F-4D97-AF65-F5344CB8AC3E}">
         <p14:creationId xmlns:p14="http://schemas.microsoft.com/office/powerpoint/2010/main" val="3009800333"/>
+      </p:ext>
+    </p:extLst>
+  </p:cSld>
+  <p:clrMapOvr>
+    <a:masterClrMapping/>
+  </p:clrMapOvr>
+</p:sld>
+</file>
+
+<file path=ppt/slides/slide85.xml><?xml version="1.0" encoding="utf-8"?>
+<p:sld xmlns:a="http://schemas.openxmlformats.org/drawingml/2006/main" xmlns:r="http://schemas.openxmlformats.org/officeDocument/2006/relationships" xmlns:p="http://schemas.openxmlformats.org/presentationml/2006/main">
+  <p:cSld>
+    <p:spTree>
+      <p:nvGrpSpPr>
+        <p:cNvPr id="1" name=""/>
+        <p:cNvGrpSpPr/>
+        <p:nvPr/>
+      </p:nvGrpSpPr>
+      <p:grpSpPr>
+        <a:xfrm>
+          <a:off x="0" y="0"/>
+          <a:ext cx="0" cy="0"/>
+          <a:chOff x="0" y="0"/>
+          <a:chExt cx="0" cy="0"/>
+        </a:xfrm>
+      </p:grpSpPr>
+      <p:sp>
+        <p:nvSpPr>
+          <p:cNvPr id="2" name="Naslov 1">
+            <a:extLst>
+              <a:ext uri="{FF2B5EF4-FFF2-40B4-BE49-F238E27FC236}">
+                <a16:creationId xmlns:a16="http://schemas.microsoft.com/office/drawing/2014/main" id="{01E6C2DA-DBB2-332A-B3D3-766B03C50A87}"/>
+              </a:ext>
+            </a:extLst>
+          </p:cNvPr>
+          <p:cNvSpPr>
+            <a:spLocks noGrp="1"/>
+          </p:cNvSpPr>
+          <p:nvPr>
+            <p:ph type="title"/>
+          </p:nvPr>
+        </p:nvSpPr>
+        <p:spPr/>
+        <p:txBody>
+          <a:bodyPr/>
+          <a:lstStyle/>
+          <a:p>
+            <a:r>
+              <a:rPr lang="en-SI" dirty="0"/>
+              <a:t>22.8.2023</a:t>
+            </a:r>
+            <a:endParaRPr lang="sl-SI" dirty="0"/>
+          </a:p>
+        </p:txBody>
+      </p:sp>
+      <p:sp>
+        <p:nvSpPr>
+          <p:cNvPr id="3" name="Označba mesta vsebine 2">
+            <a:extLst>
+              <a:ext uri="{FF2B5EF4-FFF2-40B4-BE49-F238E27FC236}">
+                <a16:creationId xmlns:a16="http://schemas.microsoft.com/office/drawing/2014/main" id="{266D49A9-F072-FCE6-93C8-B25125F0E9D8}"/>
+              </a:ext>
+            </a:extLst>
+          </p:cNvPr>
+          <p:cNvSpPr>
+            <a:spLocks noGrp="1"/>
+          </p:cNvSpPr>
+          <p:nvPr>
+            <p:ph idx="1"/>
+          </p:nvPr>
+        </p:nvSpPr>
+        <p:spPr/>
+        <p:txBody>
+          <a:bodyPr/>
+          <a:lstStyle/>
+          <a:p>
+            <a:r>
+              <a:rPr lang="en-SI" dirty="0"/>
+              <a:t>Finished writing the report.</a:t>
+            </a:r>
+          </a:p>
+          <a:p>
+            <a:r>
+              <a:rPr lang="en-SI" dirty="0"/>
+              <a:t>Now cleaning the </a:t>
+            </a:r>
+            <a:r>
+              <a:rPr lang="en-SI" dirty="0" err="1"/>
+              <a:t>github</a:t>
+            </a:r>
+            <a:r>
+              <a:rPr lang="en-SI" dirty="0"/>
+              <a:t> repository so that it can be included in the report and will be more manageable by others.</a:t>
+            </a:r>
+          </a:p>
+          <a:p>
+            <a:r>
+              <a:rPr lang="en-SI" dirty="0"/>
+              <a:t>Updating the code used in GUIs so that it corresponds to the </a:t>
+            </a:r>
+            <a:r>
+              <a:rPr lang="en-SI" dirty="0" err="1"/>
+              <a:t>main_code</a:t>
+            </a:r>
+            <a:r>
+              <a:rPr lang="en-SI" dirty="0"/>
+              <a:t> functions. </a:t>
+            </a:r>
+            <a:r>
+              <a:rPr lang="en-SI" dirty="0" err="1"/>
+              <a:t>Alre</a:t>
+            </a:r>
+            <a:r>
+              <a:rPr lang="sl-SI" dirty="0"/>
+              <a:t>a</a:t>
+            </a:r>
+            <a:r>
+              <a:rPr lang="en-SI" dirty="0" err="1"/>
+              <a:t>dy</a:t>
+            </a:r>
+            <a:r>
+              <a:rPr lang="en-SI" dirty="0"/>
+              <a:t> done the detector simulation, tomorrow add the find source and simulations GUIs and </a:t>
+            </a:r>
+            <a:r>
+              <a:rPr lang="en-SI"/>
+              <a:t>then you’re done.</a:t>
+            </a:r>
+          </a:p>
+        </p:txBody>
+      </p:sp>
+    </p:spTree>
+    <p:extLst>
+      <p:ext uri="{BB962C8B-B14F-4D97-AF65-F5344CB8AC3E}">
+        <p14:creationId xmlns:p14="http://schemas.microsoft.com/office/powerpoint/2010/main" val="2824974586"/>
       </p:ext>
     </p:extLst>
   </p:cSld>

--- a/work_diary.pptx
+++ b/work_diary.pptx
@@ -311,7 +311,7 @@
   <pc:docChgLst>
     <pc:chgData name="urh trinko" userId="3b62f928bb6fe22b" providerId="LiveId" clId="{196519FD-3C64-4461-AC3D-BB99B1B5B961}"/>
     <pc:docChg chg="undo custSel addSld delSld modSld addSection delSection modSection">
-      <pc:chgData name="urh trinko" userId="3b62f928bb6fe22b" providerId="LiveId" clId="{196519FD-3C64-4461-AC3D-BB99B1B5B961}" dt="2023-08-22T13:39:41.579" v="40132" actId="20577"/>
+      <pc:chgData name="urh trinko" userId="3b62f928bb6fe22b" providerId="LiveId" clId="{196519FD-3C64-4461-AC3D-BB99B1B5B961}" dt="2023-08-24T08:39:48.648" v="40138" actId="313"/>
       <pc:docMkLst>
         <pc:docMk/>
       </pc:docMkLst>
@@ -2414,7 +2414,7 @@
         </pc:spChg>
       </pc:sldChg>
       <pc:sldChg chg="modSp new mod">
-        <pc:chgData name="urh trinko" userId="3b62f928bb6fe22b" providerId="LiveId" clId="{196519FD-3C64-4461-AC3D-BB99B1B5B961}" dt="2023-02-01T11:00:28.003" v="34517" actId="20577"/>
+        <pc:chgData name="urh trinko" userId="3b62f928bb6fe22b" providerId="LiveId" clId="{196519FD-3C64-4461-AC3D-BB99B1B5B961}" dt="2023-08-24T08:39:48.648" v="40138" actId="313"/>
         <pc:sldMkLst>
           <pc:docMk/>
           <pc:sldMk cId="781277585" sldId="320"/>
@@ -2428,7 +2428,7 @@
           </ac:spMkLst>
         </pc:spChg>
         <pc:spChg chg="mod">
-          <ac:chgData name="urh trinko" userId="3b62f928bb6fe22b" providerId="LiveId" clId="{196519FD-3C64-4461-AC3D-BB99B1B5B961}" dt="2023-02-01T11:00:28.003" v="34517" actId="20577"/>
+          <ac:chgData name="urh trinko" userId="3b62f928bb6fe22b" providerId="LiveId" clId="{196519FD-3C64-4461-AC3D-BB99B1B5B961}" dt="2023-08-24T08:39:48.648" v="40138" actId="313"/>
           <ac:spMkLst>
             <pc:docMk/>
             <pc:sldMk cId="781277585" sldId="320"/>
@@ -3042,7 +3042,7 @@
         </pc:picChg>
       </pc:sldChg>
       <pc:sldChg chg="modSp new mod">
-        <pc:chgData name="urh trinko" userId="3b62f928bb6fe22b" providerId="LiveId" clId="{196519FD-3C64-4461-AC3D-BB99B1B5B961}" dt="2023-08-22T13:39:41.579" v="40132" actId="20577"/>
+        <pc:chgData name="urh trinko" userId="3b62f928bb6fe22b" providerId="LiveId" clId="{196519FD-3C64-4461-AC3D-BB99B1B5B961}" dt="2023-08-24T08:15:08.750" v="40137" actId="20577"/>
         <pc:sldMkLst>
           <pc:docMk/>
           <pc:sldMk cId="2824974586" sldId="340"/>
@@ -3056,7 +3056,7 @@
           </ac:spMkLst>
         </pc:spChg>
         <pc:spChg chg="mod">
-          <ac:chgData name="urh trinko" userId="3b62f928bb6fe22b" providerId="LiveId" clId="{196519FD-3C64-4461-AC3D-BB99B1B5B961}" dt="2023-08-22T13:39:41.579" v="40132" actId="20577"/>
+          <ac:chgData name="urh trinko" userId="3b62f928bb6fe22b" providerId="LiveId" clId="{196519FD-3C64-4461-AC3D-BB99B1B5B961}" dt="2023-08-24T08:15:08.750" v="40137" actId="20577"/>
           <ac:spMkLst>
             <pc:docMk/>
             <pc:sldMk cId="2824974586" sldId="340"/>
@@ -3214,7 +3214,7 @@
           <a:p>
             <a:fld id="{44B1B52E-8404-4332-9630-5FBA18E64E09}" type="datetimeFigureOut">
               <a:rPr lang="sl-SI" smtClean="0"/>
-              <a:t>22. 08. 2023</a:t>
+              <a:t>24. 08. 2023</a:t>
             </a:fld>
             <a:endParaRPr lang="sl-SI"/>
           </a:p>
@@ -3712,7 +3712,7 @@
           <a:p>
             <a:fld id="{4C35B1A2-9590-42BA-8C8F-FDB479B04EEB}" type="datetimeFigureOut">
               <a:rPr lang="sl-SI" smtClean="0"/>
-              <a:t>22. 08. 2023</a:t>
+              <a:t>24. 08. 2023</a:t>
             </a:fld>
             <a:endParaRPr lang="sl-SI"/>
           </a:p>
@@ -3910,7 +3910,7 @@
           <a:p>
             <a:fld id="{4C35B1A2-9590-42BA-8C8F-FDB479B04EEB}" type="datetimeFigureOut">
               <a:rPr lang="sl-SI" smtClean="0"/>
-              <a:t>22. 08. 2023</a:t>
+              <a:t>24. 08. 2023</a:t>
             </a:fld>
             <a:endParaRPr lang="sl-SI"/>
           </a:p>
@@ -4118,7 +4118,7 @@
           <a:p>
             <a:fld id="{4C35B1A2-9590-42BA-8C8F-FDB479B04EEB}" type="datetimeFigureOut">
               <a:rPr lang="sl-SI" smtClean="0"/>
-              <a:t>22. 08. 2023</a:t>
+              <a:t>24. 08. 2023</a:t>
             </a:fld>
             <a:endParaRPr lang="sl-SI"/>
           </a:p>
@@ -4316,7 +4316,7 @@
           <a:p>
             <a:fld id="{4C35B1A2-9590-42BA-8C8F-FDB479B04EEB}" type="datetimeFigureOut">
               <a:rPr lang="sl-SI" smtClean="0"/>
-              <a:t>22. 08. 2023</a:t>
+              <a:t>24. 08. 2023</a:t>
             </a:fld>
             <a:endParaRPr lang="sl-SI"/>
           </a:p>
@@ -4591,7 +4591,7 @@
           <a:p>
             <a:fld id="{4C35B1A2-9590-42BA-8C8F-FDB479B04EEB}" type="datetimeFigureOut">
               <a:rPr lang="sl-SI" smtClean="0"/>
-              <a:t>22. 08. 2023</a:t>
+              <a:t>24. 08. 2023</a:t>
             </a:fld>
             <a:endParaRPr lang="sl-SI"/>
           </a:p>
@@ -4856,7 +4856,7 @@
           <a:p>
             <a:fld id="{4C35B1A2-9590-42BA-8C8F-FDB479B04EEB}" type="datetimeFigureOut">
               <a:rPr lang="sl-SI" smtClean="0"/>
-              <a:t>22. 08. 2023</a:t>
+              <a:t>24. 08. 2023</a:t>
             </a:fld>
             <a:endParaRPr lang="sl-SI"/>
           </a:p>
@@ -5268,7 +5268,7 @@
           <a:p>
             <a:fld id="{4C35B1A2-9590-42BA-8C8F-FDB479B04EEB}" type="datetimeFigureOut">
               <a:rPr lang="sl-SI" smtClean="0"/>
-              <a:t>22. 08. 2023</a:t>
+              <a:t>24. 08. 2023</a:t>
             </a:fld>
             <a:endParaRPr lang="sl-SI"/>
           </a:p>
@@ -5409,7 +5409,7 @@
           <a:p>
             <a:fld id="{4C35B1A2-9590-42BA-8C8F-FDB479B04EEB}" type="datetimeFigureOut">
               <a:rPr lang="sl-SI" smtClean="0"/>
-              <a:t>22. 08. 2023</a:t>
+              <a:t>24. 08. 2023</a:t>
             </a:fld>
             <a:endParaRPr lang="sl-SI"/>
           </a:p>
@@ -5522,7 +5522,7 @@
           <a:p>
             <a:fld id="{4C35B1A2-9590-42BA-8C8F-FDB479B04EEB}" type="datetimeFigureOut">
               <a:rPr lang="sl-SI" smtClean="0"/>
-              <a:t>22. 08. 2023</a:t>
+              <a:t>24. 08. 2023</a:t>
             </a:fld>
             <a:endParaRPr lang="sl-SI"/>
           </a:p>
@@ -5833,7 +5833,7 @@
           <a:p>
             <a:fld id="{4C35B1A2-9590-42BA-8C8F-FDB479B04EEB}" type="datetimeFigureOut">
               <a:rPr lang="sl-SI" smtClean="0"/>
-              <a:t>22. 08. 2023</a:t>
+              <a:t>24. 08. 2023</a:t>
             </a:fld>
             <a:endParaRPr lang="sl-SI"/>
           </a:p>
@@ -6121,7 +6121,7 @@
           <a:p>
             <a:fld id="{4C35B1A2-9590-42BA-8C8F-FDB479B04EEB}" type="datetimeFigureOut">
               <a:rPr lang="sl-SI" smtClean="0"/>
-              <a:t>22. 08. 2023</a:t>
+              <a:t>24. 08. 2023</a:t>
             </a:fld>
             <a:endParaRPr lang="sl-SI"/>
           </a:p>
@@ -6362,7 +6362,7 @@
           <a:p>
             <a:fld id="{4C35B1A2-9590-42BA-8C8F-FDB479B04EEB}" type="datetimeFigureOut">
               <a:rPr lang="sl-SI" smtClean="0"/>
-              <a:t>22. 08. 2023</a:t>
+              <a:t>24. 08. 2023</a:t>
             </a:fld>
             <a:endParaRPr lang="sl-SI"/>
           </a:p>
@@ -16122,15 +16122,7 @@
           <a:p>
             <a:r>
               <a:rPr lang="en-SI" dirty="0"/>
-              <a:t>Adding the option for the user to enter their own source location and </a:t>
-            </a:r>
-            <a:r>
-              <a:rPr lang="en-SI" dirty="0" err="1"/>
-              <a:t>avtivity</a:t>
-            </a:r>
-            <a:r>
-              <a:rPr lang="en-SI" dirty="0"/>
-              <a:t>.</a:t>
+              <a:t>Adding the option for the user to enter their own source location and activity.</a:t>
             </a:r>
           </a:p>
           <a:p>
@@ -18971,7 +18963,7 @@
             </a:r>
             <a:r>
               <a:rPr lang="en-SI" dirty="0"/>
-              <a:t> repository so that it can be included in the report and will be more manageable by others.</a:t>
+              <a:t> repository so that it can be included in the report and will be more manageable for others.</a:t>
             </a:r>
           </a:p>
           <a:p>
@@ -19001,11 +18993,7 @@
             </a:r>
             <a:r>
               <a:rPr lang="en-SI" dirty="0"/>
-              <a:t> done the detector simulation, tomorrow add the find source and simulations GUIs and </a:t>
-            </a:r>
-            <a:r>
-              <a:rPr lang="en-SI"/>
-              <a:t>then you’re done.</a:t>
+              <a:t> done the detector simulation, tomorrow add the find source and simulations GUIs and then you’re done.</a:t>
             </a:r>
           </a:p>
         </p:txBody>

--- a/work_diary.pptx
+++ b/work_diary.pptx
@@ -5,7 +5,7 @@
     <p:sldMasterId id="2147483648" r:id="rId1"/>
   </p:sldMasterIdLst>
   <p:notesMasterIdLst>
-    <p:notesMasterId r:id="rId87"/>
+    <p:notesMasterId r:id="rId88"/>
   </p:notesMasterIdLst>
   <p:sldIdLst>
     <p:sldId id="256" r:id="rId2"/>
@@ -93,6 +93,7 @@
     <p:sldId id="338" r:id="rId84"/>
     <p:sldId id="339" r:id="rId85"/>
     <p:sldId id="340" r:id="rId86"/>
+    <p:sldId id="341" r:id="rId87"/>
   </p:sldIdLst>
   <p:sldSz cx="12192000" cy="6858000"/>
   <p:notesSz cx="6858000" cy="9144000"/>
@@ -281,6 +282,7 @@
             <p14:sldId id="338"/>
             <p14:sldId id="339"/>
             <p14:sldId id="340"/>
+            <p14:sldId id="341"/>
           </p14:sldIdLst>
         </p14:section>
       </p14:sectionLst>
@@ -311,7 +313,7 @@
   <pc:docChgLst>
     <pc:chgData name="urh trinko" userId="3b62f928bb6fe22b" providerId="LiveId" clId="{196519FD-3C64-4461-AC3D-BB99B1B5B961}"/>
     <pc:docChg chg="undo custSel addSld delSld modSld addSection delSection modSection">
-      <pc:chgData name="urh trinko" userId="3b62f928bb6fe22b" providerId="LiveId" clId="{196519FD-3C64-4461-AC3D-BB99B1B5B961}" dt="2023-08-24T08:39:48.648" v="40138" actId="313"/>
+      <pc:chgData name="urh trinko" userId="3b62f928bb6fe22b" providerId="LiveId" clId="{196519FD-3C64-4461-AC3D-BB99B1B5B961}" dt="2023-08-24T13:36:50.657" v="40161" actId="20577"/>
       <pc:docMkLst>
         <pc:docMk/>
       </pc:docMkLst>
@@ -3061,6 +3063,29 @@
             <pc:docMk/>
             <pc:sldMk cId="2824974586" sldId="340"/>
             <ac:spMk id="3" creationId="{266D49A9-F072-FCE6-93C8-B25125F0E9D8}"/>
+          </ac:spMkLst>
+        </pc:spChg>
+      </pc:sldChg>
+      <pc:sldChg chg="modSp new mod">
+        <pc:chgData name="urh trinko" userId="3b62f928bb6fe22b" providerId="LiveId" clId="{196519FD-3C64-4461-AC3D-BB99B1B5B961}" dt="2023-08-24T13:36:50.657" v="40161" actId="20577"/>
+        <pc:sldMkLst>
+          <pc:docMk/>
+          <pc:sldMk cId="3189679556" sldId="341"/>
+        </pc:sldMkLst>
+        <pc:spChg chg="mod">
+          <ac:chgData name="urh trinko" userId="3b62f928bb6fe22b" providerId="LiveId" clId="{196519FD-3C64-4461-AC3D-BB99B1B5B961}" dt="2023-08-24T13:36:45.254" v="40152" actId="20577"/>
+          <ac:spMkLst>
+            <pc:docMk/>
+            <pc:sldMk cId="3189679556" sldId="341"/>
+            <ac:spMk id="2" creationId="{8E5603A5-E1F5-4012-27E9-6B386F9EF3C2}"/>
+          </ac:spMkLst>
+        </pc:spChg>
+        <pc:spChg chg="mod">
+          <ac:chgData name="urh trinko" userId="3b62f928bb6fe22b" providerId="LiveId" clId="{196519FD-3C64-4461-AC3D-BB99B1B5B961}" dt="2023-08-24T13:36:50.657" v="40161" actId="20577"/>
+          <ac:spMkLst>
+            <pc:docMk/>
+            <pc:sldMk cId="3189679556" sldId="341"/>
+            <ac:spMk id="3" creationId="{8631CE50-C616-5350-C3C0-52125E266EE3}"/>
           </ac:spMkLst>
         </pc:spChg>
       </pc:sldChg>
@@ -19002,6 +19027,94 @@
     <p:extLst>
       <p:ext uri="{BB962C8B-B14F-4D97-AF65-F5344CB8AC3E}">
         <p14:creationId xmlns:p14="http://schemas.microsoft.com/office/powerpoint/2010/main" val="2824974586"/>
+      </p:ext>
+    </p:extLst>
+  </p:cSld>
+  <p:clrMapOvr>
+    <a:masterClrMapping/>
+  </p:clrMapOvr>
+</p:sld>
+</file>
+
+<file path=ppt/slides/slide86.xml><?xml version="1.0" encoding="utf-8"?>
+<p:sld xmlns:a="http://schemas.openxmlformats.org/drawingml/2006/main" xmlns:r="http://schemas.openxmlformats.org/officeDocument/2006/relationships" xmlns:p="http://schemas.openxmlformats.org/presentationml/2006/main">
+  <p:cSld>
+    <p:spTree>
+      <p:nvGrpSpPr>
+        <p:cNvPr id="1" name=""/>
+        <p:cNvGrpSpPr/>
+        <p:nvPr/>
+      </p:nvGrpSpPr>
+      <p:grpSpPr>
+        <a:xfrm>
+          <a:off x="0" y="0"/>
+          <a:ext cx="0" cy="0"/>
+          <a:chOff x="0" y="0"/>
+          <a:chExt cx="0" cy="0"/>
+        </a:xfrm>
+      </p:grpSpPr>
+      <p:sp>
+        <p:nvSpPr>
+          <p:cNvPr id="2" name="Naslov 1">
+            <a:extLst>
+              <a:ext uri="{FF2B5EF4-FFF2-40B4-BE49-F238E27FC236}">
+                <a16:creationId xmlns:a16="http://schemas.microsoft.com/office/drawing/2014/main" id="{8E5603A5-E1F5-4012-27E9-6B386F9EF3C2}"/>
+              </a:ext>
+            </a:extLst>
+          </p:cNvPr>
+          <p:cNvSpPr>
+            <a:spLocks noGrp="1"/>
+          </p:cNvSpPr>
+          <p:nvPr>
+            <p:ph type="title"/>
+          </p:nvPr>
+        </p:nvSpPr>
+        <p:spPr/>
+        <p:txBody>
+          <a:bodyPr/>
+          <a:lstStyle/>
+          <a:p>
+            <a:r>
+              <a:rPr lang="en-SI" dirty="0"/>
+              <a:t>24.8.2023</a:t>
+            </a:r>
+            <a:endParaRPr lang="sl-SI" dirty="0"/>
+          </a:p>
+        </p:txBody>
+      </p:sp>
+      <p:sp>
+        <p:nvSpPr>
+          <p:cNvPr id="3" name="Označba mesta vsebine 2">
+            <a:extLst>
+              <a:ext uri="{FF2B5EF4-FFF2-40B4-BE49-F238E27FC236}">
+                <a16:creationId xmlns:a16="http://schemas.microsoft.com/office/drawing/2014/main" id="{8631CE50-C616-5350-C3C0-52125E266EE3}"/>
+              </a:ext>
+            </a:extLst>
+          </p:cNvPr>
+          <p:cNvSpPr>
+            <a:spLocks noGrp="1"/>
+          </p:cNvSpPr>
+          <p:nvPr>
+            <p:ph idx="1"/>
+          </p:nvPr>
+        </p:nvSpPr>
+        <p:spPr/>
+        <p:txBody>
+          <a:bodyPr/>
+          <a:lstStyle/>
+          <a:p>
+            <a:r>
+              <a:rPr lang="en-SI" dirty="0"/>
+              <a:t>Finished.</a:t>
+            </a:r>
+            <a:endParaRPr lang="sl-SI" dirty="0"/>
+          </a:p>
+        </p:txBody>
+      </p:sp>
+    </p:spTree>
+    <p:extLst>
+      <p:ext uri="{BB962C8B-B14F-4D97-AF65-F5344CB8AC3E}">
+        <p14:creationId xmlns:p14="http://schemas.microsoft.com/office/powerpoint/2010/main" val="3189679556"/>
       </p:ext>
     </p:extLst>
   </p:cSld>
